--- a/Logos/Logo_Design.pptx
+++ b/Logos/Logo_Design.pptx
@@ -6,7 +6,9 @@
   </p:sldMasterIdLst>
   <p:sldIdLst>
     <p:sldId id="256" r:id="rId2"/>
-    <p:sldId id="257" r:id="rId3"/>
+    <p:sldId id="258" r:id="rId3"/>
+    <p:sldId id="257" r:id="rId4"/>
+    <p:sldId id="259" r:id="rId5"/>
   </p:sldIdLst>
   <p:sldSz cx="12192000" cy="6858000"/>
   <p:notesSz cx="6858000" cy="9144000"/>
@@ -105,6 +107,11 @@
       </a:defRPr>
     </a:lvl9pPr>
   </p:defaultTextStyle>
+  <p:extLst>
+    <p:ext uri="{EFAFB233-063F-42B5-8137-9DF3F51BA10A}">
+      <p15:sldGuideLst xmlns:p15="http://schemas.microsoft.com/office/powerpoint/2012/main"/>
+    </p:ext>
+  </p:extLst>
 </p:presentation>
 </file>
 
@@ -3234,6 +3241,276 @@
       </p:grpSpPr>
       <p:sp>
         <p:nvSpPr>
+          <p:cNvPr id="2" name="Rectangle 1"/>
+          <p:cNvSpPr/>
+          <p:nvPr/>
+        </p:nvSpPr>
+        <p:spPr>
+          <a:xfrm>
+            <a:off x="495300" y="5016500"/>
+            <a:ext cx="10164355" cy="2654300"/>
+          </a:xfrm>
+          <a:prstGeom prst="rect">
+            <a:avLst/>
+          </a:prstGeom>
+          <a:solidFill>
+            <a:schemeClr val="tx1"/>
+          </a:solidFill>
+          <a:ln>
+            <a:noFill/>
+          </a:ln>
+        </p:spPr>
+        <p:style>
+          <a:lnRef idx="2">
+            <a:schemeClr val="accent1">
+              <a:shade val="50000"/>
+            </a:schemeClr>
+          </a:lnRef>
+          <a:fillRef idx="1">
+            <a:schemeClr val="accent1"/>
+          </a:fillRef>
+          <a:effectRef idx="0">
+            <a:schemeClr val="accent1"/>
+          </a:effectRef>
+          <a:fontRef idx="minor">
+            <a:schemeClr val="lt1"/>
+          </a:fontRef>
+        </p:style>
+        <p:txBody>
+          <a:bodyPr rtlCol="0" anchor="ctr"/>
+          <a:lstStyle/>
+          <a:p>
+            <a:pPr algn="ctr"/>
+            <a:endParaRPr lang="en-GB"/>
+          </a:p>
+        </p:txBody>
+      </p:sp>
+      <p:sp>
+        <p:nvSpPr>
+          <p:cNvPr id="8" name="Rounded Rectangle 7"/>
+          <p:cNvSpPr/>
+          <p:nvPr/>
+        </p:nvSpPr>
+        <p:spPr>
+          <a:xfrm>
+            <a:off x="638176" y="2028825"/>
+            <a:ext cx="9886950" cy="2362200"/>
+          </a:xfrm>
+          <a:prstGeom prst="roundRect">
+            <a:avLst/>
+          </a:prstGeom>
+          <a:solidFill>
+            <a:schemeClr val="bg1">
+              <a:lumMod val="75000"/>
+            </a:schemeClr>
+          </a:solidFill>
+          <a:ln w="139700" cmpd="sng">
+            <a:solidFill>
+              <a:srgbClr val="C00000"/>
+            </a:solidFill>
+          </a:ln>
+        </p:spPr>
+        <p:style>
+          <a:lnRef idx="2">
+            <a:schemeClr val="accent1">
+              <a:shade val="50000"/>
+            </a:schemeClr>
+          </a:lnRef>
+          <a:fillRef idx="1">
+            <a:schemeClr val="accent1"/>
+          </a:fillRef>
+          <a:effectRef idx="0">
+            <a:schemeClr val="accent1"/>
+          </a:effectRef>
+          <a:fontRef idx="minor">
+            <a:schemeClr val="lt1"/>
+          </a:fontRef>
+        </p:style>
+        <p:txBody>
+          <a:bodyPr rtlCol="0" anchor="ctr"/>
+          <a:lstStyle/>
+          <a:p>
+            <a:pPr algn="ctr"/>
+            <a:endParaRPr lang="en-GB"/>
+          </a:p>
+        </p:txBody>
+      </p:sp>
+      <p:sp>
+        <p:nvSpPr>
+          <p:cNvPr id="7" name="Title 1"/>
+          <p:cNvSpPr txBox="1">
+            <a:spLocks/>
+          </p:cNvSpPr>
+          <p:nvPr/>
+        </p:nvSpPr>
+        <p:spPr>
+          <a:xfrm>
+            <a:off x="989786" y="2162175"/>
+            <a:ext cx="9221014" cy="2085973"/>
+          </a:xfrm>
+          <a:prstGeom prst="rect">
+            <a:avLst/>
+          </a:prstGeom>
+        </p:spPr>
+        <p:txBody>
+          <a:bodyPr vert="horz" lIns="91440" tIns="45720" rIns="91440" bIns="45720" rtlCol="0" anchor="b">
+            <a:noAutofit/>
+          </a:bodyPr>
+          <a:lstStyle>
+            <a:lvl1pPr algn="ctr" defTabSz="914400" rtl="0" eaLnBrk="1" latinLnBrk="0" hangingPunct="1">
+              <a:lnSpc>
+                <a:spcPct val="90000"/>
+              </a:lnSpc>
+              <a:spcBef>
+                <a:spcPct val="0"/>
+              </a:spcBef>
+              <a:buNone/>
+              <a:defRPr sz="6000" kern="1200">
+                <a:solidFill>
+                  <a:schemeClr val="tx1"/>
+                </a:solidFill>
+                <a:latin typeface="+mj-lt"/>
+                <a:ea typeface="+mj-ea"/>
+                <a:cs typeface="+mj-cs"/>
+              </a:defRPr>
+            </a:lvl1pPr>
+          </a:lstStyle>
+          <a:p>
+            <a:r>
+              <a:rPr lang="en-GB" sz="13800" dirty="0" err="1" smtClean="0">
+                <a:solidFill>
+                  <a:srgbClr val="C00000"/>
+                </a:solidFill>
+                <a:latin typeface="Tahoma" panose="020B0604030504040204" pitchFamily="34" charset="0"/>
+                <a:ea typeface="Tahoma" panose="020B0604030504040204" pitchFamily="34" charset="0"/>
+                <a:cs typeface="Tahoma" panose="020B0604030504040204" pitchFamily="34" charset="0"/>
+              </a:rPr>
+              <a:t>Physics</a:t>
+            </a:r>
+            <a:r>
+              <a:rPr lang="en-GB" sz="13800" b="1" dirty="0" err="1" smtClean="0">
+                <a:latin typeface="Tahoma" panose="020B0604030504040204" pitchFamily="34" charset="0"/>
+                <a:ea typeface="Tahoma" panose="020B0604030504040204" pitchFamily="34" charset="0"/>
+                <a:cs typeface="Tahoma" panose="020B0604030504040204" pitchFamily="34" charset="0"/>
+              </a:rPr>
+              <a:t>Box</a:t>
+            </a:r>
+            <a:endParaRPr lang="en-GB" sz="13800" b="1" dirty="0">
+              <a:latin typeface="Tahoma" panose="020B0604030504040204" pitchFamily="34" charset="0"/>
+              <a:ea typeface="Tahoma" panose="020B0604030504040204" pitchFamily="34" charset="0"/>
+              <a:cs typeface="Tahoma" panose="020B0604030504040204" pitchFamily="34" charset="0"/>
+            </a:endParaRPr>
+          </a:p>
+        </p:txBody>
+      </p:sp>
+      <p:sp>
+        <p:nvSpPr>
+          <p:cNvPr id="5" name="Rectangle 4"/>
+          <p:cNvSpPr/>
+          <p:nvPr/>
+        </p:nvSpPr>
+        <p:spPr>
+          <a:xfrm rot="1439229">
+            <a:off x="3234364" y="4080828"/>
+            <a:ext cx="155459" cy="337438"/>
+          </a:xfrm>
+          <a:prstGeom prst="rect">
+            <a:avLst/>
+          </a:prstGeom>
+          <a:solidFill>
+            <a:srgbClr val="C00000"/>
+          </a:solidFill>
+          <a:ln>
+            <a:noFill/>
+          </a:ln>
+        </p:spPr>
+        <p:style>
+          <a:lnRef idx="2">
+            <a:schemeClr val="accent1">
+              <a:shade val="50000"/>
+            </a:schemeClr>
+          </a:lnRef>
+          <a:fillRef idx="1">
+            <a:schemeClr val="accent1"/>
+          </a:fillRef>
+          <a:effectRef idx="0">
+            <a:schemeClr val="accent1"/>
+          </a:effectRef>
+          <a:fontRef idx="minor">
+            <a:schemeClr val="lt1"/>
+          </a:fontRef>
+        </p:style>
+        <p:txBody>
+          <a:bodyPr rtlCol="0" anchor="ctr"/>
+          <a:lstStyle/>
+          <a:p>
+            <a:pPr algn="ctr"/>
+            <a:endParaRPr lang="en-GB"/>
+          </a:p>
+        </p:txBody>
+      </p:sp>
+      <p:pic>
+        <p:nvPicPr>
+          <p:cNvPr id="4" name="Picture 3"/>
+          <p:cNvPicPr>
+            <a:picLocks noChangeAspect="1"/>
+          </p:cNvPicPr>
+          <p:nvPr/>
+        </p:nvPicPr>
+        <p:blipFill rotWithShape="1">
+          <a:blip r:embed="rId2"/>
+          <a:srcRect l="4058" t="9265" r="4164" b="20609"/>
+          <a:stretch/>
+        </p:blipFill>
+        <p:spPr>
+          <a:xfrm>
+            <a:off x="528230" y="5041519"/>
+            <a:ext cx="10144125" cy="2590800"/>
+          </a:xfrm>
+          <a:prstGeom prst="rect">
+            <a:avLst/>
+          </a:prstGeom>
+        </p:spPr>
+      </p:pic>
+    </p:spTree>
+    <p:extLst>
+      <p:ext uri="{BB962C8B-B14F-4D97-AF65-F5344CB8AC3E}">
+        <p14:creationId xmlns:p14="http://schemas.microsoft.com/office/powerpoint/2010/main" val="3072637369"/>
+      </p:ext>
+    </p:extLst>
+  </p:cSld>
+  <p:clrMapOvr>
+    <a:masterClrMapping/>
+  </p:clrMapOvr>
+  <p:timing>
+    <p:tnLst>
+      <p:par>
+        <p:cTn id="1" dur="indefinite" restart="never" nodeType="tmRoot"/>
+      </p:par>
+    </p:tnLst>
+  </p:timing>
+</p:sld>
+</file>
+
+<file path=ppt/slides/slide3.xml><?xml version="1.0" encoding="utf-8"?>
+<p:sld xmlns:a="http://schemas.openxmlformats.org/drawingml/2006/main" xmlns:r="http://schemas.openxmlformats.org/officeDocument/2006/relationships" xmlns:p="http://schemas.openxmlformats.org/presentationml/2006/main">
+  <p:cSld>
+    <p:spTree>
+      <p:nvGrpSpPr>
+        <p:cNvPr id="1" name=""/>
+        <p:cNvGrpSpPr/>
+        <p:nvPr/>
+      </p:nvGrpSpPr>
+      <p:grpSpPr>
+        <a:xfrm>
+          <a:off x="0" y="0"/>
+          <a:ext cx="0" cy="0"/>
+          <a:chOff x="0" y="0"/>
+          <a:chExt cx="0" cy="0"/>
+        </a:xfrm>
+      </p:grpSpPr>
+      <p:sp>
+        <p:nvSpPr>
           <p:cNvPr id="7" name="Title 1"/>
           <p:cNvSpPr txBox="1">
             <a:spLocks/>
@@ -3447,6 +3724,121 @@
       </p:par>
     </p:tnLst>
   </p:timing>
+</p:sld>
+</file>
+
+<file path=ppt/slides/slide4.xml><?xml version="1.0" encoding="utf-8"?>
+<p:sld xmlns:a="http://schemas.openxmlformats.org/drawingml/2006/main" xmlns:r="http://schemas.openxmlformats.org/officeDocument/2006/relationships" xmlns:p="http://schemas.openxmlformats.org/presentationml/2006/main">
+  <p:cSld>
+    <p:spTree>
+      <p:nvGrpSpPr>
+        <p:cNvPr id="1" name=""/>
+        <p:cNvGrpSpPr/>
+        <p:nvPr/>
+      </p:nvGrpSpPr>
+      <p:grpSpPr>
+        <a:xfrm>
+          <a:off x="0" y="0"/>
+          <a:ext cx="0" cy="0"/>
+          <a:chOff x="0" y="0"/>
+          <a:chExt cx="0" cy="0"/>
+        </a:xfrm>
+      </p:grpSpPr>
+      <p:pic>
+        <p:nvPicPr>
+          <p:cNvPr id="4" name="Picture 3"/>
+          <p:cNvPicPr>
+            <a:picLocks noChangeAspect="1"/>
+          </p:cNvPicPr>
+          <p:nvPr/>
+        </p:nvPicPr>
+        <p:blipFill>
+          <a:blip r:embed="rId2"/>
+          <a:stretch>
+            <a:fillRect/>
+          </a:stretch>
+        </p:blipFill>
+        <p:spPr>
+          <a:xfrm>
+            <a:off x="-3048000" y="-1714500"/>
+            <a:ext cx="18288000" cy="10287000"/>
+          </a:xfrm>
+          <a:prstGeom prst="rect">
+            <a:avLst/>
+          </a:prstGeom>
+        </p:spPr>
+      </p:pic>
+      <p:sp>
+        <p:nvSpPr>
+          <p:cNvPr id="2" name="Title 1"/>
+          <p:cNvSpPr>
+            <a:spLocks noGrp="1"/>
+          </p:cNvSpPr>
+          <p:nvPr>
+            <p:ph type="title"/>
+          </p:nvPr>
+        </p:nvSpPr>
+        <p:spPr/>
+        <p:txBody>
+          <a:bodyPr/>
+          <a:lstStyle/>
+          <a:p>
+            <a:endParaRPr lang="en-GB"/>
+          </a:p>
+        </p:txBody>
+      </p:sp>
+      <p:sp>
+        <p:nvSpPr>
+          <p:cNvPr id="3" name="Content Placeholder 2"/>
+          <p:cNvSpPr>
+            <a:spLocks noGrp="1"/>
+          </p:cNvSpPr>
+          <p:nvPr>
+            <p:ph idx="1"/>
+          </p:nvPr>
+        </p:nvSpPr>
+        <p:spPr/>
+        <p:txBody>
+          <a:bodyPr/>
+          <a:lstStyle/>
+          <a:p>
+            <a:endParaRPr lang="en-GB"/>
+          </a:p>
+        </p:txBody>
+      </p:sp>
+      <p:pic>
+        <p:nvPicPr>
+          <p:cNvPr id="5" name="Picture 4"/>
+          <p:cNvPicPr>
+            <a:picLocks noChangeAspect="1"/>
+          </p:cNvPicPr>
+          <p:nvPr/>
+        </p:nvPicPr>
+        <p:blipFill rotWithShape="1">
+          <a:blip r:embed="rId3"/>
+          <a:srcRect t="24705" r="14770" b="24279"/>
+          <a:stretch/>
+        </p:blipFill>
+        <p:spPr>
+          <a:xfrm>
+            <a:off x="11327947" y="3086099"/>
+            <a:ext cx="1413328" cy="762001"/>
+          </a:xfrm>
+          <a:prstGeom prst="rect">
+            <a:avLst/>
+          </a:prstGeom>
+        </p:spPr>
+      </p:pic>
+    </p:spTree>
+    <p:extLst>
+      <p:ext uri="{BB962C8B-B14F-4D97-AF65-F5344CB8AC3E}">
+        <p14:creationId xmlns:p14="http://schemas.microsoft.com/office/powerpoint/2010/main" val="55939155"/>
+      </p:ext>
+    </p:extLst>
+  </p:cSld>
+  <p:clrMapOvr>
+    <a:masterClrMapping/>
+  </p:clrMapOvr>
 </p:sld>
 </file>
 
